--- a/Trabajos Conceptuales/TC_01/Recursos/GRUPO2_TC_01_PECHA_CUCHA_FRAMEWORK_ESCALAR_SCRUM.pptx
+++ b/Trabajos Conceptuales/TC_01/Recursos/GRUPO2_TC_01_PECHA_CUCHA_FRAMEWORK_ESCALAR_SCRUM.pptx
@@ -21,14 +21,14 @@
     <p:sldId id="274" r:id="rId12"/>
     <p:sldId id="281" r:id="rId13"/>
     <p:sldId id="289" r:id="rId14"/>
-    <p:sldId id="285" r:id="rId15"/>
+    <p:sldId id="273" r:id="rId15"/>
     <p:sldId id="293" r:id="rId16"/>
     <p:sldId id="280" r:id="rId17"/>
     <p:sldId id="302" r:id="rId18"/>
     <p:sldId id="300" r:id="rId19"/>
     <p:sldId id="275" r:id="rId20"/>
     <p:sldId id="295" r:id="rId21"/>
-    <p:sldId id="273" r:id="rId22"/>
+    <p:sldId id="285" r:id="rId22"/>
     <p:sldId id="292" r:id="rId23"/>
   </p:sldIdLst>
   <p:sldSz cx="9144000" cy="5143500" type="screen16x9"/>
@@ -158,7 +158,7 @@
 <file path=ppt/charts/chart1.xml><?xml version="1.0" encoding="utf-8"?>
 <c:chartSpace xmlns:c="http://schemas.openxmlformats.org/drawingml/2006/chart" xmlns:a="http://schemas.openxmlformats.org/drawingml/2006/main" xmlns:r="http://schemas.openxmlformats.org/officeDocument/2006/relationships" xmlns:c16r2="http://schemas.microsoft.com/office/drawing/2015/06/chart">
   <c:date1904 val="0"/>
-  <c:lang val="en-US"/>
+  <c:lang val="es-ES"/>
   <c:roundedCorners val="0"/>
   <mc:AlternateContent xmlns:mc="http://schemas.openxmlformats.org/markup-compatibility/2006">
     <mc:Choice xmlns:c14="http://schemas.microsoft.com/office/drawing/2007/8/2/chart" Requires="c14">
@@ -208,7 +208,7 @@
       <a:pPr>
         <a:defRPr sz="1800"/>
       </a:pPr>
-      <a:endParaRPr lang="en-US"/>
+      <a:endParaRPr lang="es-ES"/>
     </a:p>
   </c:txPr>
   <c:externalData r:id="rId1">
@@ -220,7 +220,7 @@
 <file path=ppt/charts/chart2.xml><?xml version="1.0" encoding="utf-8"?>
 <c:chartSpace xmlns:c="http://schemas.openxmlformats.org/drawingml/2006/chart" xmlns:a="http://schemas.openxmlformats.org/drawingml/2006/main" xmlns:r="http://schemas.openxmlformats.org/officeDocument/2006/relationships" xmlns:c16r2="http://schemas.microsoft.com/office/drawing/2015/06/chart">
   <c:date1904 val="0"/>
-  <c:lang val="en-US"/>
+  <c:lang val="es-ES"/>
   <c:roundedCorners val="0"/>
   <mc:AlternateContent xmlns:mc="http://schemas.openxmlformats.org/markup-compatibility/2006">
     <mc:Choice xmlns:c14="http://schemas.microsoft.com/office/drawing/2007/8/2/chart" Requires="c14">
@@ -270,7 +270,7 @@
       <a:pPr>
         <a:defRPr sz="1800"/>
       </a:pPr>
-      <a:endParaRPr lang="en-US"/>
+      <a:endParaRPr lang="es-ES"/>
     </a:p>
   </c:txPr>
   <c:externalData r:id="rId1">
@@ -282,7 +282,7 @@
 <file path=ppt/charts/chart3.xml><?xml version="1.0" encoding="utf-8"?>
 <c:chartSpace xmlns:c="http://schemas.openxmlformats.org/drawingml/2006/chart" xmlns:a="http://schemas.openxmlformats.org/drawingml/2006/main" xmlns:r="http://schemas.openxmlformats.org/officeDocument/2006/relationships" xmlns:c16r2="http://schemas.microsoft.com/office/drawing/2015/06/chart">
   <c:date1904 val="0"/>
-  <c:lang val="en-US"/>
+  <c:lang val="es-ES"/>
   <c:roundedCorners val="0"/>
   <mc:AlternateContent xmlns:mc="http://schemas.openxmlformats.org/markup-compatibility/2006">
     <mc:Choice xmlns:c14="http://schemas.microsoft.com/office/drawing/2007/8/2/chart" Requires="c14">
@@ -332,7 +332,7 @@
       <a:pPr>
         <a:defRPr sz="1800"/>
       </a:pPr>
-      <a:endParaRPr lang="en-US"/>
+      <a:endParaRPr lang="es-ES"/>
     </a:p>
   </c:txPr>
   <c:externalData r:id="rId1">
@@ -582,7 +582,7 @@
           <a:p>
             <a:fld id="{B820E160-F603-41F3-A192-DC95957721C3}" type="slidenum">
               <a:rPr lang="ko-KR" altLang="en-US" smtClean="0"/>
-              <a:t>‹#›</a:t>
+              <a:t>‹Nº›</a:t>
             </a:fld>
             <a:endParaRPr lang="ko-KR" altLang="en-US"/>
           </a:p>
@@ -8278,12 +8278,8 @@
               </a:lnSpc>
             </a:pPr>
             <a:r>
-              <a:rPr lang="en-US" altLang="ko-KR" sz="3300" dirty="0" err="1"/>
-              <a:t>Planificacion</a:t>
-            </a:r>
-            <a:r>
               <a:rPr lang="en-US" altLang="ko-KR" sz="3300" dirty="0"/>
-              <a:t> del sprint</a:t>
+              <a:t>Sprint Planning</a:t>
             </a:r>
             <a:endParaRPr lang="ko-KR" altLang="en-US" sz="3300" dirty="0"/>
           </a:p>
@@ -8352,6 +8348,935 @@
 </file>
 
 <file path=ppt/slides/slide12.xml><?xml version="1.0" encoding="utf-8"?>
+<p:sld xmlns:a="http://schemas.openxmlformats.org/drawingml/2006/main" xmlns:r="http://schemas.openxmlformats.org/officeDocument/2006/relationships" xmlns:p="http://schemas.openxmlformats.org/presentationml/2006/main">
+  <p:cSld>
+    <p:spTree>
+      <p:nvGrpSpPr>
+        <p:cNvPr id="1" name=""/>
+        <p:cNvGrpSpPr/>
+        <p:nvPr/>
+      </p:nvGrpSpPr>
+      <p:grpSpPr>
+        <a:xfrm>
+          <a:off x="0" y="0"/>
+          <a:ext cx="0" cy="0"/>
+          <a:chOff x="0" y="0"/>
+          <a:chExt cx="0" cy="0"/>
+        </a:xfrm>
+      </p:grpSpPr>
+      <p:sp>
+        <p:nvSpPr>
+          <p:cNvPr id="3" name="CuadroTexto 2">
+            <a:extLst>
+              <a:ext uri="{FF2B5EF4-FFF2-40B4-BE49-F238E27FC236}">
+                <a16:creationId xmlns:a16="http://schemas.microsoft.com/office/drawing/2014/main" id="{0F6B464E-8C75-05CA-BA23-73FF97DB1CC2}"/>
+              </a:ext>
+            </a:extLst>
+          </p:cNvPr>
+          <p:cNvSpPr txBox="1"/>
+          <p:nvPr/>
+        </p:nvSpPr>
+        <p:spPr>
+          <a:xfrm>
+            <a:off x="2286000" y="233833"/>
+            <a:ext cx="4572000" cy="798680"/>
+          </a:xfrm>
+          <a:prstGeom prst="rect">
+            <a:avLst/>
+          </a:prstGeom>
+          <a:noFill/>
+        </p:spPr>
+        <p:txBody>
+          <a:bodyPr wrap="square">
+            <a:spAutoFit/>
+          </a:bodyPr>
+          <a:lstStyle/>
+          <a:p>
+            <a:pPr algn="ctr">
+              <a:lnSpc>
+                <a:spcPct val="90000"/>
+              </a:lnSpc>
+            </a:pPr>
+            <a:r>
+              <a:rPr lang="en-US" altLang="ko-KR" sz="3300" dirty="0">
+                <a:latin typeface="+mj-lt"/>
+              </a:rPr>
+              <a:t>Sprint Planning Two</a:t>
+            </a:r>
+            <a:endParaRPr lang="ko-KR" altLang="en-US" sz="3300" dirty="0">
+              <a:latin typeface="+mj-lt"/>
+            </a:endParaRPr>
+          </a:p>
+          <a:p>
+            <a:pPr algn="ctr">
+              <a:lnSpc>
+                <a:spcPct val="90000"/>
+              </a:lnSpc>
+            </a:pPr>
+            <a:endParaRPr lang="ko-KR" altLang="en-US" sz="1800" dirty="0">
+              <a:latin typeface="+mj-lt"/>
+            </a:endParaRPr>
+          </a:p>
+        </p:txBody>
+      </p:sp>
+      <p:pic>
+        <p:nvPicPr>
+          <p:cNvPr id="4" name="Marcador de contenido 3" descr="Planificación de Sprint">
+            <a:extLst>
+              <a:ext uri="{FF2B5EF4-FFF2-40B4-BE49-F238E27FC236}">
+                <a16:creationId xmlns:a16="http://schemas.microsoft.com/office/drawing/2014/main" id="{2CA211F6-D9A8-E4EA-7453-26F3F41CB9E5}"/>
+              </a:ext>
+            </a:extLst>
+          </p:cNvPr>
+          <p:cNvPicPr>
+            <a:picLocks noChangeAspect="1"/>
+          </p:cNvPicPr>
+          <p:nvPr/>
+        </p:nvPicPr>
+        <p:blipFill rotWithShape="1">
+          <a:blip r:embed="rId2" cstate="print">
+            <a:extLst>
+              <a:ext uri="{28A0092B-C50C-407E-A947-70E740481C1C}">
+                <a14:useLocalDpi xmlns:a14="http://schemas.microsoft.com/office/drawing/2010/main" val="0"/>
+              </a:ext>
+            </a:extLst>
+          </a:blip>
+          <a:srcRect t="53609"/>
+          <a:stretch/>
+        </p:blipFill>
+        <p:spPr bwMode="auto">
+          <a:xfrm>
+            <a:off x="1167447" y="1187669"/>
+            <a:ext cx="6640940" cy="2179583"/>
+          </a:xfrm>
+          <a:prstGeom prst="rect">
+            <a:avLst/>
+          </a:prstGeom>
+          <a:noFill/>
+          <a:ln>
+            <a:noFill/>
+          </a:ln>
+        </p:spPr>
+      </p:pic>
+    </p:spTree>
+    <p:extLst>
+      <p:ext uri="{BB962C8B-B14F-4D97-AF65-F5344CB8AC3E}">
+        <p14:creationId xmlns:p14="http://schemas.microsoft.com/office/powerpoint/2010/main" val="2360298915"/>
+      </p:ext>
+    </p:extLst>
+  </p:cSld>
+  <p:clrMapOvr>
+    <a:masterClrMapping/>
+  </p:clrMapOvr>
+  <mc:AlternateContent xmlns:mc="http://schemas.openxmlformats.org/markup-compatibility/2006" xmlns:p14="http://schemas.microsoft.com/office/powerpoint/2010/main">
+    <mc:Choice Requires="p14">
+      <p:transition spd="slow" p14:dur="2000" advTm="20000"/>
+    </mc:Choice>
+    <mc:Fallback xmlns="">
+      <p:transition spd="slow" advTm="20000"/>
+    </mc:Fallback>
+  </mc:AlternateContent>
+</p:sld>
+</file>
+
+<file path=ppt/slides/slide13.xml><?xml version="1.0" encoding="utf-8"?>
+<p:sld xmlns:a="http://schemas.openxmlformats.org/drawingml/2006/main" xmlns:r="http://schemas.openxmlformats.org/officeDocument/2006/relationships" xmlns:p="http://schemas.openxmlformats.org/presentationml/2006/main">
+  <p:cSld>
+    <p:spTree>
+      <p:nvGrpSpPr>
+        <p:cNvPr id="1" name=""/>
+        <p:cNvGrpSpPr/>
+        <p:nvPr/>
+      </p:nvGrpSpPr>
+      <p:grpSpPr>
+        <a:xfrm>
+          <a:off x="0" y="0"/>
+          <a:ext cx="0" cy="0"/>
+          <a:chOff x="0" y="0"/>
+          <a:chExt cx="0" cy="0"/>
+        </a:xfrm>
+      </p:grpSpPr>
+      <p:graphicFrame>
+        <p:nvGraphicFramePr>
+          <p:cNvPr id="28" name="Chart 7">
+            <a:extLst>
+              <a:ext uri="{FF2B5EF4-FFF2-40B4-BE49-F238E27FC236}">
+                <a16:creationId xmlns:a16="http://schemas.microsoft.com/office/drawing/2014/main" id="{3A70B9A9-DE2F-4D3B-A52C-B5E30EE08EE3}"/>
+              </a:ext>
+            </a:extLst>
+          </p:cNvPr>
+          <p:cNvGraphicFramePr/>
+          <p:nvPr>
+            <p:extLst>
+              <p:ext uri="{D42A27DB-BD31-4B8C-83A1-F6EECF244321}">
+                <p14:modId xmlns:p14="http://schemas.microsoft.com/office/powerpoint/2010/main" val="1154573362"/>
+              </p:ext>
+            </p:extLst>
+          </p:nvPr>
+        </p:nvGraphicFramePr>
+        <p:xfrm>
+          <a:off x="4709108" y="1535413"/>
+          <a:ext cx="1660648" cy="1721165"/>
+        </p:xfrm>
+        <a:graphic>
+          <a:graphicData uri="http://schemas.openxmlformats.org/drawingml/2006/chart">
+            <c:chart xmlns:c="http://schemas.openxmlformats.org/drawingml/2006/chart" xmlns:r="http://schemas.openxmlformats.org/officeDocument/2006/relationships" r:id="rId2"/>
+          </a:graphicData>
+        </a:graphic>
+      </p:graphicFrame>
+      <p:graphicFrame>
+        <p:nvGraphicFramePr>
+          <p:cNvPr id="29" name="Chart 7">
+            <a:extLst>
+              <a:ext uri="{FF2B5EF4-FFF2-40B4-BE49-F238E27FC236}">
+                <a16:creationId xmlns:a16="http://schemas.microsoft.com/office/drawing/2014/main" id="{0278FABA-EA96-49F5-9A62-691F2AD7405F}"/>
+              </a:ext>
+            </a:extLst>
+          </p:cNvPr>
+          <p:cNvGraphicFramePr/>
+          <p:nvPr>
+            <p:extLst>
+              <p:ext uri="{D42A27DB-BD31-4B8C-83A1-F6EECF244321}">
+                <p14:modId xmlns:p14="http://schemas.microsoft.com/office/powerpoint/2010/main" val="2911249980"/>
+              </p:ext>
+            </p:extLst>
+          </p:nvPr>
+        </p:nvGraphicFramePr>
+        <p:xfrm>
+          <a:off x="2778219" y="1535413"/>
+          <a:ext cx="1660648" cy="1721165"/>
+        </p:xfrm>
+        <a:graphic>
+          <a:graphicData uri="http://schemas.openxmlformats.org/drawingml/2006/chart">
+            <c:chart xmlns:c="http://schemas.openxmlformats.org/drawingml/2006/chart" xmlns:r="http://schemas.openxmlformats.org/officeDocument/2006/relationships" r:id="rId3"/>
+          </a:graphicData>
+        </a:graphic>
+      </p:graphicFrame>
+      <p:graphicFrame>
+        <p:nvGraphicFramePr>
+          <p:cNvPr id="30" name="Chart 7">
+            <a:extLst>
+              <a:ext uri="{FF2B5EF4-FFF2-40B4-BE49-F238E27FC236}">
+                <a16:creationId xmlns:a16="http://schemas.microsoft.com/office/drawing/2014/main" id="{B3C23818-D30E-4AE9-A1E9-B29BA476112F}"/>
+              </a:ext>
+            </a:extLst>
+          </p:cNvPr>
+          <p:cNvGraphicFramePr/>
+          <p:nvPr>
+            <p:extLst>
+              <p:ext uri="{D42A27DB-BD31-4B8C-83A1-F6EECF244321}">
+                <p14:modId xmlns:p14="http://schemas.microsoft.com/office/powerpoint/2010/main" val="2137368326"/>
+              </p:ext>
+            </p:extLst>
+          </p:nvPr>
+        </p:nvGraphicFramePr>
+        <p:xfrm>
+          <a:off x="847330" y="1535413"/>
+          <a:ext cx="1660648" cy="1721165"/>
+        </p:xfrm>
+        <a:graphic>
+          <a:graphicData uri="http://schemas.openxmlformats.org/drawingml/2006/chart">
+            <c:chart xmlns:c="http://schemas.openxmlformats.org/drawingml/2006/chart" xmlns:r="http://schemas.openxmlformats.org/officeDocument/2006/relationships" r:id="rId4"/>
+          </a:graphicData>
+        </a:graphic>
+      </p:graphicFrame>
+      <p:sp>
+        <p:nvSpPr>
+          <p:cNvPr id="2" name="Text Placeholder 1"/>
+          <p:cNvSpPr>
+            <a:spLocks noGrp="1"/>
+          </p:cNvSpPr>
+          <p:nvPr>
+            <p:ph type="body" sz="quarter" idx="10"/>
+          </p:nvPr>
+        </p:nvSpPr>
+        <p:spPr>
+          <a:xfrm>
+            <a:off x="13011" y="202727"/>
+            <a:ext cx="9144000" cy="378639"/>
+          </a:xfrm>
+        </p:spPr>
+        <p:txBody>
+          <a:bodyPr/>
+          <a:lstStyle/>
+          <a:p>
+            <a:r>
+              <a:rPr lang="es-AR" altLang="ko-KR" sz="2800" dirty="0"/>
+              <a:t>Durante el sprint</a:t>
+            </a:r>
+            <a:endParaRPr lang="ko-KR" altLang="en-US" sz="2800" dirty="0"/>
+          </a:p>
+        </p:txBody>
+      </p:sp>
+      <p:pic>
+        <p:nvPicPr>
+          <p:cNvPr id="6" name="Marcador de contenido 3" descr="Sprint Review Bazaar - Boceto de la historia">
+            <a:extLst>
+              <a:ext uri="{FF2B5EF4-FFF2-40B4-BE49-F238E27FC236}">
+                <a16:creationId xmlns:a16="http://schemas.microsoft.com/office/drawing/2014/main" id="{D8E2F096-2532-3B93-BD96-3D0501670B05}"/>
+              </a:ext>
+            </a:extLst>
+          </p:cNvPr>
+          <p:cNvPicPr>
+            <a:picLocks noChangeAspect="1"/>
+          </p:cNvPicPr>
+          <p:nvPr/>
+        </p:nvPicPr>
+        <p:blipFill>
+          <a:blip r:embed="rId5" cstate="print">
+            <a:extLst>
+              <a:ext uri="{28A0092B-C50C-407E-A947-70E740481C1C}">
+                <a14:useLocalDpi xmlns:a14="http://schemas.microsoft.com/office/drawing/2010/main" val="0"/>
+              </a:ext>
+            </a:extLst>
+          </a:blip>
+          <a:srcRect/>
+          <a:stretch>
+            <a:fillRect/>
+          </a:stretch>
+        </p:blipFill>
+        <p:spPr bwMode="auto">
+          <a:xfrm>
+            <a:off x="1214594" y="530966"/>
+            <a:ext cx="6448545" cy="4562134"/>
+          </a:xfrm>
+          <a:prstGeom prst="rect">
+            <a:avLst/>
+          </a:prstGeom>
+          <a:noFill/>
+          <a:ln>
+            <a:noFill/>
+          </a:ln>
+        </p:spPr>
+      </p:pic>
+    </p:spTree>
+    <p:extLst>
+      <p:ext uri="{BB962C8B-B14F-4D97-AF65-F5344CB8AC3E}">
+        <p14:creationId xmlns:p14="http://schemas.microsoft.com/office/powerpoint/2010/main" val="541394744"/>
+      </p:ext>
+    </p:extLst>
+  </p:cSld>
+  <p:clrMapOvr>
+    <a:masterClrMapping/>
+  </p:clrMapOvr>
+  <mc:AlternateContent xmlns:mc="http://schemas.openxmlformats.org/markup-compatibility/2006" xmlns:p14="http://schemas.microsoft.com/office/powerpoint/2010/main">
+    <mc:Choice Requires="p14">
+      <p:transition spd="slow" p14:dur="2000" advTm="20000"/>
+    </mc:Choice>
+    <mc:Fallback xmlns="">
+      <p:transition spd="slow" advTm="20000"/>
+    </mc:Fallback>
+  </mc:AlternateContent>
+</p:sld>
+</file>
+
+<file path=ppt/slides/slide14.xml><?xml version="1.0" encoding="utf-8"?>
+<p:sld xmlns:a="http://schemas.openxmlformats.org/drawingml/2006/main" xmlns:r="http://schemas.openxmlformats.org/officeDocument/2006/relationships" xmlns:p="http://schemas.openxmlformats.org/presentationml/2006/main">
+  <p:cSld>
+    <p:spTree>
+      <p:nvGrpSpPr>
+        <p:cNvPr id="1" name=""/>
+        <p:cNvGrpSpPr/>
+        <p:nvPr/>
+      </p:nvGrpSpPr>
+      <p:grpSpPr>
+        <a:xfrm>
+          <a:off x="0" y="0"/>
+          <a:ext cx="0" cy="0"/>
+          <a:chOff x="0" y="0"/>
+          <a:chExt cx="0" cy="0"/>
+        </a:xfrm>
+      </p:grpSpPr>
+      <p:pic>
+        <p:nvPicPr>
+          <p:cNvPr id="3" name="Picture 2" descr="Graphical user interface, application&#10;&#10;Description automatically generated">
+            <a:extLst>
+              <a:ext uri="{FF2B5EF4-FFF2-40B4-BE49-F238E27FC236}">
+                <a16:creationId xmlns:a16="http://schemas.microsoft.com/office/drawing/2014/main" id="{B39FFB5C-3CC6-FDB1-C05C-575CCDBBB37E}"/>
+              </a:ext>
+            </a:extLst>
+          </p:cNvPr>
+          <p:cNvPicPr>
+            <a:picLocks noChangeAspect="1"/>
+          </p:cNvPicPr>
+          <p:nvPr/>
+        </p:nvPicPr>
+        <p:blipFill rotWithShape="1">
+          <a:blip r:embed="rId2" cstate="print">
+            <a:extLst>
+              <a:ext uri="{28A0092B-C50C-407E-A947-70E740481C1C}">
+                <a14:useLocalDpi xmlns:a14="http://schemas.microsoft.com/office/drawing/2010/main" val="0"/>
+              </a:ext>
+            </a:extLst>
+          </a:blip>
+          <a:srcRect t="16228" b="50966"/>
+          <a:stretch/>
+        </p:blipFill>
+        <p:spPr>
+          <a:xfrm>
+            <a:off x="1541745" y="1041991"/>
+            <a:ext cx="6060510" cy="1669312"/>
+          </a:xfrm>
+          <a:prstGeom prst="rect">
+            <a:avLst/>
+          </a:prstGeom>
+        </p:spPr>
+      </p:pic>
+      <p:sp>
+        <p:nvSpPr>
+          <p:cNvPr id="4" name="TextBox 36">
+            <a:extLst>
+              <a:ext uri="{FF2B5EF4-FFF2-40B4-BE49-F238E27FC236}">
+                <a16:creationId xmlns:a16="http://schemas.microsoft.com/office/drawing/2014/main" id="{D0F89FD4-DEB6-87A0-F55B-9C4B108BBB5C}"/>
+              </a:ext>
+            </a:extLst>
+          </p:cNvPr>
+          <p:cNvSpPr txBox="1"/>
+          <p:nvPr/>
+        </p:nvSpPr>
+        <p:spPr>
+          <a:xfrm>
+            <a:off x="845797" y="126417"/>
+            <a:ext cx="7837330" cy="519886"/>
+          </a:xfrm>
+          <a:prstGeom prst="rect">
+            <a:avLst/>
+          </a:prstGeom>
+          <a:noFill/>
+        </p:spPr>
+        <p:txBody>
+          <a:bodyPr wrap="square">
+            <a:spAutoFit/>
+          </a:bodyPr>
+          <a:lstStyle/>
+          <a:p>
+            <a:pPr marR="0" lvl="0" algn="ctr">
+              <a:lnSpc>
+                <a:spcPct val="107000"/>
+              </a:lnSpc>
+              <a:spcBef>
+                <a:spcPts val="0"/>
+              </a:spcBef>
+              <a:spcAft>
+                <a:spcPts val="800"/>
+              </a:spcAft>
+              <a:buClr>
+                <a:srgbClr val="000000"/>
+              </a:buClr>
+            </a:pPr>
+            <a:r>
+              <a:rPr lang="es-AR" sz="2800" dirty="0">
+                <a:effectLst/>
+                <a:latin typeface="+mj-lt"/>
+                <a:ea typeface="Calibri" panose="020F0502020204030204" pitchFamily="34" charset="0"/>
+                <a:cs typeface="Times New Roman" panose="02020603050405020304" pitchFamily="18" charset="0"/>
+              </a:rPr>
+              <a:t>Sprint Review</a:t>
+            </a:r>
+          </a:p>
+        </p:txBody>
+      </p:sp>
+      <p:pic>
+        <p:nvPicPr>
+          <p:cNvPr id="5" name="Imagen 4" descr="Interfaz de usuario gráfica&#10;&#10;Descripción generada automáticamente">
+            <a:extLst>
+              <a:ext uri="{FF2B5EF4-FFF2-40B4-BE49-F238E27FC236}">
+                <a16:creationId xmlns:a16="http://schemas.microsoft.com/office/drawing/2014/main" id="{CE3B5706-B306-2DAC-F7BD-B34845E9DEFB}"/>
+              </a:ext>
+            </a:extLst>
+          </p:cNvPr>
+          <p:cNvPicPr>
+            <a:picLocks noChangeAspect="1"/>
+          </p:cNvPicPr>
+          <p:nvPr/>
+        </p:nvPicPr>
+        <p:blipFill>
+          <a:blip r:embed="rId3" cstate="print">
+            <a:extLst>
+              <a:ext uri="{28A0092B-C50C-407E-A947-70E740481C1C}">
+                <a14:useLocalDpi xmlns:a14="http://schemas.microsoft.com/office/drawing/2010/main" val="0"/>
+              </a:ext>
+            </a:extLst>
+          </a:blip>
+          <a:stretch>
+            <a:fillRect/>
+          </a:stretch>
+        </p:blipFill>
+        <p:spPr>
+          <a:xfrm>
+            <a:off x="2887092" y="2489066"/>
+            <a:ext cx="3754740" cy="2654434"/>
+          </a:xfrm>
+          <a:prstGeom prst="rect">
+            <a:avLst/>
+          </a:prstGeom>
+        </p:spPr>
+      </p:pic>
+    </p:spTree>
+    <p:extLst>
+      <p:ext uri="{BB962C8B-B14F-4D97-AF65-F5344CB8AC3E}">
+        <p14:creationId xmlns:p14="http://schemas.microsoft.com/office/powerpoint/2010/main" val="876795215"/>
+      </p:ext>
+    </p:extLst>
+  </p:cSld>
+  <p:clrMapOvr>
+    <a:masterClrMapping/>
+  </p:clrMapOvr>
+  <mc:AlternateContent xmlns:mc="http://schemas.openxmlformats.org/markup-compatibility/2006" xmlns:p14="http://schemas.microsoft.com/office/powerpoint/2010/main">
+    <mc:Choice Requires="p14">
+      <p:transition spd="slow" p14:dur="2000" advTm="20000"/>
+    </mc:Choice>
+    <mc:Fallback xmlns="">
+      <p:transition spd="slow" advTm="20000"/>
+    </mc:Fallback>
+  </mc:AlternateContent>
+</p:sld>
+</file>
+
+<file path=ppt/slides/slide15.xml><?xml version="1.0" encoding="utf-8"?>
+<p:sld xmlns:a="http://schemas.openxmlformats.org/drawingml/2006/main" xmlns:r="http://schemas.openxmlformats.org/officeDocument/2006/relationships" xmlns:p="http://schemas.openxmlformats.org/presentationml/2006/main">
+  <p:cSld>
+    <p:spTree>
+      <p:nvGrpSpPr>
+        <p:cNvPr id="1" name=""/>
+        <p:cNvGrpSpPr/>
+        <p:nvPr/>
+      </p:nvGrpSpPr>
+      <p:grpSpPr>
+        <a:xfrm>
+          <a:off x="0" y="0"/>
+          <a:ext cx="0" cy="0"/>
+          <a:chOff x="0" y="0"/>
+          <a:chExt cx="0" cy="0"/>
+        </a:xfrm>
+      </p:grpSpPr>
+      <p:sp>
+        <p:nvSpPr>
+          <p:cNvPr id="37" name="TextBox 36">
+            <a:extLst>
+              <a:ext uri="{FF2B5EF4-FFF2-40B4-BE49-F238E27FC236}">
+                <a16:creationId xmlns:a16="http://schemas.microsoft.com/office/drawing/2014/main" id="{7141D213-C977-4E26-BC8C-7CBC180DF512}"/>
+              </a:ext>
+            </a:extLst>
+          </p:cNvPr>
+          <p:cNvSpPr txBox="1"/>
+          <p:nvPr/>
+        </p:nvSpPr>
+        <p:spPr>
+          <a:xfrm>
+            <a:off x="836023" y="296093"/>
+            <a:ext cx="7837330" cy="519886"/>
+          </a:xfrm>
+          <a:prstGeom prst="rect">
+            <a:avLst/>
+          </a:prstGeom>
+          <a:noFill/>
+        </p:spPr>
+        <p:txBody>
+          <a:bodyPr wrap="square">
+            <a:spAutoFit/>
+          </a:bodyPr>
+          <a:lstStyle/>
+          <a:p>
+            <a:pPr marR="0" lvl="0" algn="ctr">
+              <a:lnSpc>
+                <a:spcPct val="107000"/>
+              </a:lnSpc>
+              <a:spcBef>
+                <a:spcPts val="0"/>
+              </a:spcBef>
+              <a:spcAft>
+                <a:spcPts val="800"/>
+              </a:spcAft>
+              <a:buClr>
+                <a:srgbClr val="000000"/>
+              </a:buClr>
+            </a:pPr>
+            <a:r>
+              <a:rPr lang="es-AR" sz="2800" dirty="0">
+                <a:effectLst/>
+                <a:latin typeface="+mj-lt"/>
+                <a:ea typeface="Calibri" panose="020F0502020204030204" pitchFamily="34" charset="0"/>
+                <a:cs typeface="Times New Roman" panose="02020603050405020304" pitchFamily="18" charset="0"/>
+              </a:rPr>
+              <a:t>Sprint Retrospective</a:t>
+            </a:r>
+          </a:p>
+        </p:txBody>
+      </p:sp>
+      <p:pic>
+        <p:nvPicPr>
+          <p:cNvPr id="3" name="Picture 2" descr="Graphical user interface, application&#10;&#10;Description automatically generated">
+            <a:extLst>
+              <a:ext uri="{FF2B5EF4-FFF2-40B4-BE49-F238E27FC236}">
+                <a16:creationId xmlns:a16="http://schemas.microsoft.com/office/drawing/2014/main" id="{402C22F5-2775-F6AE-C102-23232F620E82}"/>
+              </a:ext>
+            </a:extLst>
+          </p:cNvPr>
+          <p:cNvPicPr>
+            <a:picLocks noChangeAspect="1"/>
+          </p:cNvPicPr>
+          <p:nvPr/>
+        </p:nvPicPr>
+        <p:blipFill rotWithShape="1">
+          <a:blip r:embed="rId2" cstate="print">
+            <a:extLst>
+              <a:ext uri="{28A0092B-C50C-407E-A947-70E740481C1C}">
+                <a14:useLocalDpi xmlns:a14="http://schemas.microsoft.com/office/drawing/2010/main" val="0"/>
+              </a:ext>
+            </a:extLst>
+          </a:blip>
+          <a:srcRect l="4017" t="50706" b="7628"/>
+          <a:stretch/>
+        </p:blipFill>
+        <p:spPr>
+          <a:xfrm>
+            <a:off x="1892594" y="978195"/>
+            <a:ext cx="5817061" cy="2120132"/>
+          </a:xfrm>
+          <a:prstGeom prst="rect">
+            <a:avLst/>
+          </a:prstGeom>
+        </p:spPr>
+      </p:pic>
+      <p:pic>
+        <p:nvPicPr>
+          <p:cNvPr id="5" name="Imagen 4" descr="Gráfico, Diagrama&#10;&#10;Descripción generada automáticamente">
+            <a:extLst>
+              <a:ext uri="{FF2B5EF4-FFF2-40B4-BE49-F238E27FC236}">
+                <a16:creationId xmlns:a16="http://schemas.microsoft.com/office/drawing/2014/main" id="{E00FA212-8093-A9A0-6DCC-B8EF38537C8C}"/>
+              </a:ext>
+            </a:extLst>
+          </p:cNvPr>
+          <p:cNvPicPr>
+            <a:picLocks noChangeAspect="1"/>
+          </p:cNvPicPr>
+          <p:nvPr/>
+        </p:nvPicPr>
+        <p:blipFill>
+          <a:blip r:embed="rId3" cstate="print">
+            <a:extLst>
+              <a:ext uri="{28A0092B-C50C-407E-A947-70E740481C1C}">
+                <a14:useLocalDpi xmlns:a14="http://schemas.microsoft.com/office/drawing/2010/main" val="0"/>
+              </a:ext>
+            </a:extLst>
+          </a:blip>
+          <a:stretch>
+            <a:fillRect/>
+          </a:stretch>
+        </p:blipFill>
+        <p:spPr>
+          <a:xfrm>
+            <a:off x="2088339" y="3389630"/>
+            <a:ext cx="5535205" cy="1315897"/>
+          </a:xfrm>
+          <a:prstGeom prst="rect">
+            <a:avLst/>
+          </a:prstGeom>
+        </p:spPr>
+      </p:pic>
+    </p:spTree>
+    <p:extLst>
+      <p:ext uri="{BB962C8B-B14F-4D97-AF65-F5344CB8AC3E}">
+        <p14:creationId xmlns:p14="http://schemas.microsoft.com/office/powerpoint/2010/main" val="407887758"/>
+      </p:ext>
+    </p:extLst>
+  </p:cSld>
+  <p:clrMapOvr>
+    <a:masterClrMapping/>
+  </p:clrMapOvr>
+  <mc:AlternateContent xmlns:mc="http://schemas.openxmlformats.org/markup-compatibility/2006" xmlns:p14="http://schemas.microsoft.com/office/powerpoint/2010/main">
+    <mc:Choice Requires="p14">
+      <p:transition spd="slow" p14:dur="2000" advTm="20000"/>
+    </mc:Choice>
+    <mc:Fallback xmlns="">
+      <p:transition spd="slow" advTm="20000"/>
+    </mc:Fallback>
+  </mc:AlternateContent>
+</p:sld>
+</file>
+
+<file path=ppt/slides/slide16.xml><?xml version="1.0" encoding="utf-8"?>
+<p:sld xmlns:a="http://schemas.openxmlformats.org/drawingml/2006/main" xmlns:r="http://schemas.openxmlformats.org/officeDocument/2006/relationships" xmlns:p="http://schemas.openxmlformats.org/presentationml/2006/main">
+  <p:cSld>
+    <p:spTree>
+      <p:nvGrpSpPr>
+        <p:cNvPr id="1" name=""/>
+        <p:cNvGrpSpPr/>
+        <p:nvPr/>
+      </p:nvGrpSpPr>
+      <p:grpSpPr>
+        <a:xfrm>
+          <a:off x="0" y="0"/>
+          <a:ext cx="0" cy="0"/>
+          <a:chOff x="0" y="0"/>
+          <a:chExt cx="0" cy="0"/>
+        </a:xfrm>
+      </p:grpSpPr>
+      <p:sp>
+        <p:nvSpPr>
+          <p:cNvPr id="2" name="Text Placeholder 1"/>
+          <p:cNvSpPr>
+            <a:spLocks noGrp="1"/>
+          </p:cNvSpPr>
+          <p:nvPr>
+            <p:ph type="body" sz="quarter" idx="10"/>
+          </p:nvPr>
+        </p:nvSpPr>
+        <p:spPr>
+          <a:prstGeom prst="rect">
+            <a:avLst/>
+          </a:prstGeom>
+        </p:spPr>
+        <p:txBody>
+          <a:bodyPr/>
+          <a:lstStyle/>
+          <a:p>
+            <a:r>
+              <a:rPr lang="es-ES" altLang="ko-KR" sz="2800" dirty="0" err="1">
+                <a:latin typeface="+mn-lt"/>
+              </a:rPr>
+              <a:t>LeSS</a:t>
+            </a:r>
+            <a:r>
+              <a:rPr lang="es-ES" altLang="ko-KR" sz="2800" dirty="0">
+                <a:latin typeface="+mn-lt"/>
+              </a:rPr>
+              <a:t> </a:t>
+            </a:r>
+            <a:r>
+              <a:rPr lang="es-ES" altLang="ko-KR" sz="2800" dirty="0" err="1">
+                <a:latin typeface="+mn-lt"/>
+              </a:rPr>
+              <a:t>Huge</a:t>
+            </a:r>
+            <a:endParaRPr lang="ko-KR" altLang="en-US" sz="2800" dirty="0">
+              <a:latin typeface="+mn-lt"/>
+            </a:endParaRPr>
+          </a:p>
+        </p:txBody>
+      </p:sp>
+    </p:spTree>
+    <p:extLst>
+      <p:ext uri="{BB962C8B-B14F-4D97-AF65-F5344CB8AC3E}">
+        <p14:creationId xmlns:p14="http://schemas.microsoft.com/office/powerpoint/2010/main" val="2107815636"/>
+      </p:ext>
+    </p:extLst>
+  </p:cSld>
+  <p:clrMapOvr>
+    <a:masterClrMapping/>
+  </p:clrMapOvr>
+  <mc:AlternateContent xmlns:mc="http://schemas.openxmlformats.org/markup-compatibility/2006" xmlns:p14="http://schemas.microsoft.com/office/powerpoint/2010/main">
+    <mc:Choice Requires="p14">
+      <p:transition spd="slow" p14:dur="2000" advTm="20000"/>
+    </mc:Choice>
+    <mc:Fallback xmlns="">
+      <p:transition spd="slow" advTm="20000"/>
+    </mc:Fallback>
+  </mc:AlternateContent>
+</p:sld>
+</file>
+
+<file path=ppt/slides/slide17.xml><?xml version="1.0" encoding="utf-8"?>
+<p:sld xmlns:a="http://schemas.openxmlformats.org/drawingml/2006/main" xmlns:r="http://schemas.openxmlformats.org/officeDocument/2006/relationships" xmlns:p="http://schemas.openxmlformats.org/presentationml/2006/main">
+  <p:cSld>
+    <p:spTree>
+      <p:nvGrpSpPr>
+        <p:cNvPr id="1" name=""/>
+        <p:cNvGrpSpPr/>
+        <p:nvPr/>
+      </p:nvGrpSpPr>
+      <p:grpSpPr>
+        <a:xfrm>
+          <a:off x="0" y="0"/>
+          <a:ext cx="0" cy="0"/>
+          <a:chOff x="0" y="0"/>
+          <a:chExt cx="0" cy="0"/>
+        </a:xfrm>
+      </p:grpSpPr>
+      <p:sp>
+        <p:nvSpPr>
+          <p:cNvPr id="2" name="Text Placeholder 1"/>
+          <p:cNvSpPr>
+            <a:spLocks noGrp="1"/>
+          </p:cNvSpPr>
+          <p:nvPr>
+            <p:ph type="body" sz="quarter" idx="10"/>
+          </p:nvPr>
+        </p:nvSpPr>
+        <p:spPr/>
+        <p:txBody>
+          <a:bodyPr anchor="ctr">
+            <a:normAutofit/>
+          </a:bodyPr>
+          <a:lstStyle/>
+          <a:p>
+            <a:pPr>
+              <a:lnSpc>
+                <a:spcPct val="90000"/>
+              </a:lnSpc>
+            </a:pPr>
+            <a:r>
+              <a:rPr lang="en-US" altLang="ko-KR" sz="3300" dirty="0" err="1"/>
+              <a:t>LeSS</a:t>
+            </a:r>
+            <a:r>
+              <a:rPr lang="en-US" altLang="ko-KR" sz="3300" dirty="0"/>
+              <a:t> vs </a:t>
+            </a:r>
+            <a:r>
+              <a:rPr lang="en-US" altLang="ko-KR" sz="3300" dirty="0" err="1"/>
+              <a:t>LeSS</a:t>
+            </a:r>
+            <a:r>
+              <a:rPr lang="en-US" altLang="ko-KR" sz="3300" dirty="0"/>
+              <a:t> Huge</a:t>
+            </a:r>
+            <a:endParaRPr lang="ko-KR" altLang="en-US" sz="3300" dirty="0"/>
+          </a:p>
+        </p:txBody>
+      </p:sp>
+    </p:spTree>
+    <p:extLst>
+      <p:ext uri="{BB962C8B-B14F-4D97-AF65-F5344CB8AC3E}">
+        <p14:creationId xmlns:p14="http://schemas.microsoft.com/office/powerpoint/2010/main" val="503397310"/>
+      </p:ext>
+    </p:extLst>
+  </p:cSld>
+  <p:clrMapOvr>
+    <a:masterClrMapping/>
+  </p:clrMapOvr>
+  <mc:AlternateContent xmlns:mc="http://schemas.openxmlformats.org/markup-compatibility/2006" xmlns:p14="http://schemas.microsoft.com/office/powerpoint/2010/main">
+    <mc:Choice Requires="p14">
+      <p:transition spd="slow" p14:dur="2000" advTm="20000"/>
+    </mc:Choice>
+    <mc:Fallback xmlns="">
+      <p:transition spd="slow" advTm="20000"/>
+    </mc:Fallback>
+  </mc:AlternateContent>
+</p:sld>
+</file>
+
+<file path=ppt/slides/slide18.xml><?xml version="1.0" encoding="utf-8"?>
+<p:sld xmlns:a="http://schemas.openxmlformats.org/drawingml/2006/main" xmlns:r="http://schemas.openxmlformats.org/officeDocument/2006/relationships" xmlns:p="http://schemas.openxmlformats.org/presentationml/2006/main">
+  <p:cSld>
+    <p:spTree>
+      <p:nvGrpSpPr>
+        <p:cNvPr id="1" name=""/>
+        <p:cNvGrpSpPr/>
+        <p:nvPr/>
+      </p:nvGrpSpPr>
+      <p:grpSpPr>
+        <a:xfrm>
+          <a:off x="0" y="0"/>
+          <a:ext cx="0" cy="0"/>
+          <a:chOff x="0" y="0"/>
+          <a:chExt cx="0" cy="0"/>
+        </a:xfrm>
+      </p:grpSpPr>
+      <p:sp>
+        <p:nvSpPr>
+          <p:cNvPr id="2" name="Text Placeholder 1"/>
+          <p:cNvSpPr>
+            <a:spLocks noGrp="1"/>
+          </p:cNvSpPr>
+          <p:nvPr>
+            <p:ph type="body" sz="quarter" idx="10"/>
+          </p:nvPr>
+        </p:nvSpPr>
+        <p:spPr/>
+        <p:txBody>
+          <a:bodyPr/>
+          <a:lstStyle/>
+          <a:p>
+            <a:r>
+              <a:rPr lang="en-US" altLang="ko-KR" sz="2800" dirty="0" err="1">
+                <a:latin typeface="+mn-lt"/>
+              </a:rPr>
+              <a:t>Conclusión</a:t>
+            </a:r>
+            <a:endParaRPr lang="ko-KR" altLang="en-US" sz="2800" dirty="0">
+              <a:latin typeface="+mn-lt"/>
+            </a:endParaRPr>
+          </a:p>
+        </p:txBody>
+      </p:sp>
+      <p:sp>
+        <p:nvSpPr>
+          <p:cNvPr id="3" name="Text Placeholder 2">
+            <a:extLst>
+              <a:ext uri="{FF2B5EF4-FFF2-40B4-BE49-F238E27FC236}">
+                <a16:creationId xmlns:a16="http://schemas.microsoft.com/office/drawing/2014/main" id="{F5430082-2F44-BBBC-7BFB-734DF24A542B}"/>
+              </a:ext>
+            </a:extLst>
+          </p:cNvPr>
+          <p:cNvSpPr>
+            <a:spLocks noGrp="1"/>
+          </p:cNvSpPr>
+          <p:nvPr>
+            <p:ph type="body" sz="quarter" idx="11"/>
+          </p:nvPr>
+        </p:nvSpPr>
+        <p:spPr>
+          <a:xfrm>
+            <a:off x="93600" y="4681142"/>
+            <a:ext cx="8913600" cy="288032"/>
+          </a:xfrm>
+        </p:spPr>
+        <p:txBody>
+          <a:bodyPr/>
+          <a:lstStyle/>
+          <a:p>
+            <a:r>
+              <a:rPr lang="en-US" dirty="0" err="1"/>
+              <a:t>Bibliografía</a:t>
+            </a:r>
+            <a:r>
+              <a:rPr lang="en-US" dirty="0"/>
+              <a:t>: </a:t>
+            </a:r>
+            <a:r>
+              <a:rPr lang="en-GB" dirty="0"/>
+              <a:t>Large-Scale Scrum: More with </a:t>
+            </a:r>
+            <a:r>
+              <a:rPr lang="en-GB" dirty="0" err="1"/>
+              <a:t>LeSS</a:t>
+            </a:r>
+            <a:r>
+              <a:rPr lang="en-US" dirty="0"/>
+              <a:t>: </a:t>
+            </a:r>
+            <a:r>
+              <a:rPr lang="en-US" sz="1200" dirty="0"/>
+              <a:t>https://less.works/less/framework</a:t>
+            </a:r>
+            <a:endParaRPr lang="en-GB" dirty="0"/>
+          </a:p>
+        </p:txBody>
+      </p:sp>
+    </p:spTree>
+    <p:extLst>
+      <p:ext uri="{BB962C8B-B14F-4D97-AF65-F5344CB8AC3E}">
+        <p14:creationId xmlns:p14="http://schemas.microsoft.com/office/powerpoint/2010/main" val="3631786541"/>
+      </p:ext>
+    </p:extLst>
+  </p:cSld>
+  <p:clrMapOvr>
+    <a:masterClrMapping/>
+  </p:clrMapOvr>
+  <mc:AlternateContent xmlns:mc="http://schemas.openxmlformats.org/markup-compatibility/2006" xmlns:p14="http://schemas.microsoft.com/office/powerpoint/2010/main">
+    <mc:Choice Requires="p14">
+      <p:transition spd="slow" p14:dur="2000" advTm="20000"/>
+    </mc:Choice>
+    <mc:Fallback xmlns="">
+      <p:transition spd="slow" advTm="20000"/>
+    </mc:Fallback>
+  </mc:AlternateContent>
+</p:sld>
+</file>
+
+<file path=ppt/slides/slide19.xml><?xml version="1.0" encoding="utf-8"?>
 <p:sld xmlns:a="http://schemas.openxmlformats.org/drawingml/2006/main" xmlns:r="http://schemas.openxmlformats.org/officeDocument/2006/relationships" xmlns:p="http://schemas.openxmlformats.org/presentationml/2006/main">
   <p:cSld>
     <p:spTree>
@@ -10344,10 +11269,10 @@
       </p:sp>
       <p:sp>
         <p:nvSpPr>
-          <p:cNvPr id="4" name="Text Placeholder 3">
+          <p:cNvPr id="3" name="Marcador de texto 2">
             <a:extLst>
               <a:ext uri="{FF2B5EF4-FFF2-40B4-BE49-F238E27FC236}">
-                <a16:creationId xmlns:a16="http://schemas.microsoft.com/office/drawing/2014/main" id="{2C03DE46-558E-4CCD-B5FC-53BF845D2F9C}"/>
+                <a16:creationId xmlns:a16="http://schemas.microsoft.com/office/drawing/2014/main" id="{DC4AD7AC-A816-07C7-321E-0D0F2406DB2F}"/>
               </a:ext>
             </a:extLst>
           </p:cNvPr>
@@ -10363,15 +11288,7 @@
           <a:bodyPr/>
           <a:lstStyle/>
           <a:p>
-            <a:r>
-              <a:rPr lang="es-AR" sz="1000" dirty="0"/>
-              <a:t>	</a:t>
-            </a:r>
-            <a:r>
-              <a:rPr lang="es-AR" sz="2800" dirty="0"/>
-              <a:t>Planificación del sprint</a:t>
-            </a:r>
-            <a:endParaRPr lang="es-AR" sz="1000" dirty="0"/>
+            <a:endParaRPr lang="es-ES"/>
           </a:p>
         </p:txBody>
       </p:sp>
@@ -10379,707 +11296,6 @@
     <p:extLst>
       <p:ext uri="{BB962C8B-B14F-4D97-AF65-F5344CB8AC3E}">
         <p14:creationId xmlns:p14="http://schemas.microsoft.com/office/powerpoint/2010/main" val="519195064"/>
-      </p:ext>
-    </p:extLst>
-  </p:cSld>
-  <p:clrMapOvr>
-    <a:masterClrMapping/>
-  </p:clrMapOvr>
-  <mc:AlternateContent xmlns:mc="http://schemas.openxmlformats.org/markup-compatibility/2006" xmlns:p14="http://schemas.microsoft.com/office/powerpoint/2010/main">
-    <mc:Choice Requires="p14">
-      <p:transition spd="slow" p14:dur="2000" advTm="20000"/>
-    </mc:Choice>
-    <mc:Fallback xmlns="">
-      <p:transition spd="slow" advTm="20000"/>
-    </mc:Fallback>
-  </mc:AlternateContent>
-</p:sld>
-</file>
-
-<file path=ppt/slides/slide13.xml><?xml version="1.0" encoding="utf-8"?>
-<p:sld xmlns:a="http://schemas.openxmlformats.org/drawingml/2006/main" xmlns:r="http://schemas.openxmlformats.org/officeDocument/2006/relationships" xmlns:p="http://schemas.openxmlformats.org/presentationml/2006/main">
-  <p:cSld>
-    <p:spTree>
-      <p:nvGrpSpPr>
-        <p:cNvPr id="1" name=""/>
-        <p:cNvGrpSpPr/>
-        <p:nvPr/>
-      </p:nvGrpSpPr>
-      <p:grpSpPr>
-        <a:xfrm>
-          <a:off x="0" y="0"/>
-          <a:ext cx="0" cy="0"/>
-          <a:chOff x="0" y="0"/>
-          <a:chExt cx="0" cy="0"/>
-        </a:xfrm>
-      </p:grpSpPr>
-      <p:graphicFrame>
-        <p:nvGraphicFramePr>
-          <p:cNvPr id="28" name="Chart 7">
-            <a:extLst>
-              <a:ext uri="{FF2B5EF4-FFF2-40B4-BE49-F238E27FC236}">
-                <a16:creationId xmlns:a16="http://schemas.microsoft.com/office/drawing/2014/main" id="{3A70B9A9-DE2F-4D3B-A52C-B5E30EE08EE3}"/>
-              </a:ext>
-            </a:extLst>
-          </p:cNvPr>
-          <p:cNvGraphicFramePr/>
-          <p:nvPr>
-            <p:extLst>
-              <p:ext uri="{D42A27DB-BD31-4B8C-83A1-F6EECF244321}">
-                <p14:modId xmlns:p14="http://schemas.microsoft.com/office/powerpoint/2010/main" val="1154573362"/>
-              </p:ext>
-            </p:extLst>
-          </p:nvPr>
-        </p:nvGraphicFramePr>
-        <p:xfrm>
-          <a:off x="4709108" y="1535413"/>
-          <a:ext cx="1660648" cy="1721165"/>
-        </p:xfrm>
-        <a:graphic>
-          <a:graphicData uri="http://schemas.openxmlformats.org/drawingml/2006/chart">
-            <c:chart xmlns:c="http://schemas.openxmlformats.org/drawingml/2006/chart" xmlns:r="http://schemas.openxmlformats.org/officeDocument/2006/relationships" r:id="rId2"/>
-          </a:graphicData>
-        </a:graphic>
-      </p:graphicFrame>
-      <p:graphicFrame>
-        <p:nvGraphicFramePr>
-          <p:cNvPr id="29" name="Chart 7">
-            <a:extLst>
-              <a:ext uri="{FF2B5EF4-FFF2-40B4-BE49-F238E27FC236}">
-                <a16:creationId xmlns:a16="http://schemas.microsoft.com/office/drawing/2014/main" id="{0278FABA-EA96-49F5-9A62-691F2AD7405F}"/>
-              </a:ext>
-            </a:extLst>
-          </p:cNvPr>
-          <p:cNvGraphicFramePr/>
-          <p:nvPr>
-            <p:extLst>
-              <p:ext uri="{D42A27DB-BD31-4B8C-83A1-F6EECF244321}">
-                <p14:modId xmlns:p14="http://schemas.microsoft.com/office/powerpoint/2010/main" val="2911249980"/>
-              </p:ext>
-            </p:extLst>
-          </p:nvPr>
-        </p:nvGraphicFramePr>
-        <p:xfrm>
-          <a:off x="2778219" y="1535413"/>
-          <a:ext cx="1660648" cy="1721165"/>
-        </p:xfrm>
-        <a:graphic>
-          <a:graphicData uri="http://schemas.openxmlformats.org/drawingml/2006/chart">
-            <c:chart xmlns:c="http://schemas.openxmlformats.org/drawingml/2006/chart" xmlns:r="http://schemas.openxmlformats.org/officeDocument/2006/relationships" r:id="rId3"/>
-          </a:graphicData>
-        </a:graphic>
-      </p:graphicFrame>
-      <p:graphicFrame>
-        <p:nvGraphicFramePr>
-          <p:cNvPr id="30" name="Chart 7">
-            <a:extLst>
-              <a:ext uri="{FF2B5EF4-FFF2-40B4-BE49-F238E27FC236}">
-                <a16:creationId xmlns:a16="http://schemas.microsoft.com/office/drawing/2014/main" id="{B3C23818-D30E-4AE9-A1E9-B29BA476112F}"/>
-              </a:ext>
-            </a:extLst>
-          </p:cNvPr>
-          <p:cNvGraphicFramePr/>
-          <p:nvPr>
-            <p:extLst>
-              <p:ext uri="{D42A27DB-BD31-4B8C-83A1-F6EECF244321}">
-                <p14:modId xmlns:p14="http://schemas.microsoft.com/office/powerpoint/2010/main" val="2137368326"/>
-              </p:ext>
-            </p:extLst>
-          </p:nvPr>
-        </p:nvGraphicFramePr>
-        <p:xfrm>
-          <a:off x="847330" y="1535413"/>
-          <a:ext cx="1660648" cy="1721165"/>
-        </p:xfrm>
-        <a:graphic>
-          <a:graphicData uri="http://schemas.openxmlformats.org/drawingml/2006/chart">
-            <c:chart xmlns:c="http://schemas.openxmlformats.org/drawingml/2006/chart" xmlns:r="http://schemas.openxmlformats.org/officeDocument/2006/relationships" r:id="rId4"/>
-          </a:graphicData>
-        </a:graphic>
-      </p:graphicFrame>
-      <p:sp>
-        <p:nvSpPr>
-          <p:cNvPr id="2" name="Text Placeholder 1"/>
-          <p:cNvSpPr>
-            <a:spLocks noGrp="1"/>
-          </p:cNvSpPr>
-          <p:nvPr>
-            <p:ph type="body" sz="quarter" idx="10"/>
-          </p:nvPr>
-        </p:nvSpPr>
-        <p:spPr>
-          <a:xfrm>
-            <a:off x="13011" y="202727"/>
-            <a:ext cx="9144000" cy="378639"/>
-          </a:xfrm>
-        </p:spPr>
-        <p:txBody>
-          <a:bodyPr/>
-          <a:lstStyle/>
-          <a:p>
-            <a:r>
-              <a:rPr lang="es-AR" altLang="ko-KR" sz="2800" dirty="0"/>
-              <a:t>Durante el sprint</a:t>
-            </a:r>
-            <a:endParaRPr lang="ko-KR" altLang="en-US" sz="2800" dirty="0"/>
-          </a:p>
-        </p:txBody>
-      </p:sp>
-      <p:pic>
-        <p:nvPicPr>
-          <p:cNvPr id="6" name="Marcador de contenido 3" descr="Sprint Review Bazaar - Boceto de la historia">
-            <a:extLst>
-              <a:ext uri="{FF2B5EF4-FFF2-40B4-BE49-F238E27FC236}">
-                <a16:creationId xmlns:a16="http://schemas.microsoft.com/office/drawing/2014/main" id="{D8E2F096-2532-3B93-BD96-3D0501670B05}"/>
-              </a:ext>
-            </a:extLst>
-          </p:cNvPr>
-          <p:cNvPicPr>
-            <a:picLocks noChangeAspect="1"/>
-          </p:cNvPicPr>
-          <p:nvPr/>
-        </p:nvPicPr>
-        <p:blipFill>
-          <a:blip r:embed="rId5" cstate="print">
-            <a:extLst>
-              <a:ext uri="{28A0092B-C50C-407E-A947-70E740481C1C}">
-                <a14:useLocalDpi xmlns:a14="http://schemas.microsoft.com/office/drawing/2010/main" val="0"/>
-              </a:ext>
-            </a:extLst>
-          </a:blip>
-          <a:srcRect/>
-          <a:stretch>
-            <a:fillRect/>
-          </a:stretch>
-        </p:blipFill>
-        <p:spPr bwMode="auto">
-          <a:xfrm>
-            <a:off x="1214594" y="530966"/>
-            <a:ext cx="6448545" cy="4562134"/>
-          </a:xfrm>
-          <a:prstGeom prst="rect">
-            <a:avLst/>
-          </a:prstGeom>
-          <a:noFill/>
-          <a:ln>
-            <a:noFill/>
-          </a:ln>
-        </p:spPr>
-      </p:pic>
-    </p:spTree>
-    <p:extLst>
-      <p:ext uri="{BB962C8B-B14F-4D97-AF65-F5344CB8AC3E}">
-        <p14:creationId xmlns:p14="http://schemas.microsoft.com/office/powerpoint/2010/main" val="541394744"/>
-      </p:ext>
-    </p:extLst>
-  </p:cSld>
-  <p:clrMapOvr>
-    <a:masterClrMapping/>
-  </p:clrMapOvr>
-  <mc:AlternateContent xmlns:mc="http://schemas.openxmlformats.org/markup-compatibility/2006" xmlns:p14="http://schemas.microsoft.com/office/powerpoint/2010/main">
-    <mc:Choice Requires="p14">
-      <p:transition spd="slow" p14:dur="2000" advTm="20000"/>
-    </mc:Choice>
-    <mc:Fallback xmlns="">
-      <p:transition spd="slow" advTm="20000"/>
-    </mc:Fallback>
-  </mc:AlternateContent>
-</p:sld>
-</file>
-
-<file path=ppt/slides/slide14.xml><?xml version="1.0" encoding="utf-8"?>
-<p:sld xmlns:a="http://schemas.openxmlformats.org/drawingml/2006/main" xmlns:r="http://schemas.openxmlformats.org/officeDocument/2006/relationships" xmlns:p="http://schemas.openxmlformats.org/presentationml/2006/main">
-  <p:cSld>
-    <p:spTree>
-      <p:nvGrpSpPr>
-        <p:cNvPr id="1" name=""/>
-        <p:cNvGrpSpPr/>
-        <p:nvPr/>
-      </p:nvGrpSpPr>
-      <p:grpSpPr>
-        <a:xfrm>
-          <a:off x="0" y="0"/>
-          <a:ext cx="0" cy="0"/>
-          <a:chOff x="0" y="0"/>
-          <a:chExt cx="0" cy="0"/>
-        </a:xfrm>
-      </p:grpSpPr>
-      <p:pic>
-        <p:nvPicPr>
-          <p:cNvPr id="3" name="Picture 2" descr="Graphical user interface, application&#10;&#10;Description automatically generated">
-            <a:extLst>
-              <a:ext uri="{FF2B5EF4-FFF2-40B4-BE49-F238E27FC236}">
-                <a16:creationId xmlns:a16="http://schemas.microsoft.com/office/drawing/2014/main" id="{B39FFB5C-3CC6-FDB1-C05C-575CCDBBB37E}"/>
-              </a:ext>
-            </a:extLst>
-          </p:cNvPr>
-          <p:cNvPicPr>
-            <a:picLocks noChangeAspect="1"/>
-          </p:cNvPicPr>
-          <p:nvPr/>
-        </p:nvPicPr>
-        <p:blipFill rotWithShape="1">
-          <a:blip r:embed="rId2" cstate="print">
-            <a:extLst>
-              <a:ext uri="{28A0092B-C50C-407E-A947-70E740481C1C}">
-                <a14:useLocalDpi xmlns:a14="http://schemas.microsoft.com/office/drawing/2010/main" val="0"/>
-              </a:ext>
-            </a:extLst>
-          </a:blip>
-          <a:srcRect t="8242" b="7628"/>
-          <a:stretch/>
-        </p:blipFill>
-        <p:spPr>
-          <a:xfrm>
-            <a:off x="1125541" y="216373"/>
-            <a:ext cx="6669176" cy="4710754"/>
-          </a:xfrm>
-          <a:prstGeom prst="rect">
-            <a:avLst/>
-          </a:prstGeom>
-        </p:spPr>
-      </p:pic>
-    </p:spTree>
-    <p:extLst>
-      <p:ext uri="{BB962C8B-B14F-4D97-AF65-F5344CB8AC3E}">
-        <p14:creationId xmlns:p14="http://schemas.microsoft.com/office/powerpoint/2010/main" val="876795215"/>
-      </p:ext>
-    </p:extLst>
-  </p:cSld>
-  <p:clrMapOvr>
-    <a:masterClrMapping/>
-  </p:clrMapOvr>
-  <mc:AlternateContent xmlns:mc="http://schemas.openxmlformats.org/markup-compatibility/2006" xmlns:p14="http://schemas.microsoft.com/office/powerpoint/2010/main">
-    <mc:Choice Requires="p14">
-      <p:transition spd="slow" p14:dur="2000" advTm="20000"/>
-    </mc:Choice>
-    <mc:Fallback xmlns="">
-      <p:transition spd="slow" advTm="20000"/>
-    </mc:Fallback>
-  </mc:AlternateContent>
-</p:sld>
-</file>
-
-<file path=ppt/slides/slide15.xml><?xml version="1.0" encoding="utf-8"?>
-<p:sld xmlns:a="http://schemas.openxmlformats.org/drawingml/2006/main" xmlns:r="http://schemas.openxmlformats.org/officeDocument/2006/relationships" xmlns:p="http://schemas.openxmlformats.org/presentationml/2006/main">
-  <p:cSld>
-    <p:spTree>
-      <p:nvGrpSpPr>
-        <p:cNvPr id="1" name=""/>
-        <p:cNvGrpSpPr/>
-        <p:nvPr/>
-      </p:nvGrpSpPr>
-      <p:grpSpPr>
-        <a:xfrm>
-          <a:off x="0" y="0"/>
-          <a:ext cx="0" cy="0"/>
-          <a:chOff x="0" y="0"/>
-          <a:chExt cx="0" cy="0"/>
-        </a:xfrm>
-      </p:grpSpPr>
-      <p:sp>
-        <p:nvSpPr>
-          <p:cNvPr id="37" name="TextBox 36">
-            <a:extLst>
-              <a:ext uri="{FF2B5EF4-FFF2-40B4-BE49-F238E27FC236}">
-                <a16:creationId xmlns:a16="http://schemas.microsoft.com/office/drawing/2014/main" id="{7141D213-C977-4E26-BC8C-7CBC180DF512}"/>
-              </a:ext>
-            </a:extLst>
-          </p:cNvPr>
-          <p:cNvSpPr txBox="1"/>
-          <p:nvPr/>
-        </p:nvSpPr>
-        <p:spPr>
-          <a:xfrm>
-            <a:off x="836023" y="296093"/>
-            <a:ext cx="7837330" cy="519886"/>
-          </a:xfrm>
-          <a:prstGeom prst="rect">
-            <a:avLst/>
-          </a:prstGeom>
-          <a:noFill/>
-        </p:spPr>
-        <p:txBody>
-          <a:bodyPr wrap="square">
-            <a:spAutoFit/>
-          </a:bodyPr>
-          <a:lstStyle/>
-          <a:p>
-            <a:pPr marR="0" lvl="0" algn="ctr">
-              <a:lnSpc>
-                <a:spcPct val="107000"/>
-              </a:lnSpc>
-              <a:spcBef>
-                <a:spcPts val="0"/>
-              </a:spcBef>
-              <a:spcAft>
-                <a:spcPts val="800"/>
-              </a:spcAft>
-              <a:buClr>
-                <a:srgbClr val="000000"/>
-              </a:buClr>
-            </a:pPr>
-            <a:r>
-              <a:rPr lang="es-AR" sz="2800" dirty="0" err="1">
-                <a:effectLst/>
-                <a:latin typeface="+mj-lt"/>
-                <a:ea typeface="Calibri" panose="020F0502020204030204" pitchFamily="34" charset="0"/>
-                <a:cs typeface="Times New Roman" panose="02020603050405020304" pitchFamily="18" charset="0"/>
-              </a:rPr>
-              <a:t>Review</a:t>
-            </a:r>
-            <a:r>
-              <a:rPr lang="es-AR" sz="2800" dirty="0">
-                <a:effectLst/>
-                <a:latin typeface="+mj-lt"/>
-                <a:ea typeface="Calibri" panose="020F0502020204030204" pitchFamily="34" charset="0"/>
-                <a:cs typeface="Times New Roman" panose="02020603050405020304" pitchFamily="18" charset="0"/>
-              </a:rPr>
-              <a:t> y </a:t>
-            </a:r>
-            <a:r>
-              <a:rPr lang="es-AR" sz="2800" dirty="0" err="1">
-                <a:effectLst/>
-                <a:latin typeface="+mj-lt"/>
-                <a:ea typeface="Calibri" panose="020F0502020204030204" pitchFamily="34" charset="0"/>
-                <a:cs typeface="Times New Roman" panose="02020603050405020304" pitchFamily="18" charset="0"/>
-              </a:rPr>
-              <a:t>retrospestive</a:t>
-            </a:r>
-            <a:r>
-              <a:rPr lang="es-AR" sz="2800" dirty="0">
-                <a:effectLst/>
-                <a:latin typeface="+mj-lt"/>
-                <a:ea typeface="Calibri" panose="020F0502020204030204" pitchFamily="34" charset="0"/>
-                <a:cs typeface="Times New Roman" panose="02020603050405020304" pitchFamily="18" charset="0"/>
-              </a:rPr>
-              <a:t> </a:t>
-            </a:r>
-          </a:p>
-        </p:txBody>
-      </p:sp>
-    </p:spTree>
-    <p:extLst>
-      <p:ext uri="{BB962C8B-B14F-4D97-AF65-F5344CB8AC3E}">
-        <p14:creationId xmlns:p14="http://schemas.microsoft.com/office/powerpoint/2010/main" val="407887758"/>
-      </p:ext>
-    </p:extLst>
-  </p:cSld>
-  <p:clrMapOvr>
-    <a:masterClrMapping/>
-  </p:clrMapOvr>
-  <mc:AlternateContent xmlns:mc="http://schemas.openxmlformats.org/markup-compatibility/2006" xmlns:p14="http://schemas.microsoft.com/office/powerpoint/2010/main">
-    <mc:Choice Requires="p14">
-      <p:transition spd="slow" p14:dur="2000" advTm="20000"/>
-    </mc:Choice>
-    <mc:Fallback xmlns="">
-      <p:transition spd="slow" advTm="20000"/>
-    </mc:Fallback>
-  </mc:AlternateContent>
-</p:sld>
-</file>
-
-<file path=ppt/slides/slide16.xml><?xml version="1.0" encoding="utf-8"?>
-<p:sld xmlns:a="http://schemas.openxmlformats.org/drawingml/2006/main" xmlns:r="http://schemas.openxmlformats.org/officeDocument/2006/relationships" xmlns:p="http://schemas.openxmlformats.org/presentationml/2006/main">
-  <p:cSld>
-    <p:spTree>
-      <p:nvGrpSpPr>
-        <p:cNvPr id="1" name=""/>
-        <p:cNvGrpSpPr/>
-        <p:nvPr/>
-      </p:nvGrpSpPr>
-      <p:grpSpPr>
-        <a:xfrm>
-          <a:off x="0" y="0"/>
-          <a:ext cx="0" cy="0"/>
-          <a:chOff x="0" y="0"/>
-          <a:chExt cx="0" cy="0"/>
-        </a:xfrm>
-      </p:grpSpPr>
-      <p:sp>
-        <p:nvSpPr>
-          <p:cNvPr id="2" name="Text Placeholder 1"/>
-          <p:cNvSpPr>
-            <a:spLocks noGrp="1"/>
-          </p:cNvSpPr>
-          <p:nvPr>
-            <p:ph type="body" sz="quarter" idx="10"/>
-          </p:nvPr>
-        </p:nvSpPr>
-        <p:spPr>
-          <a:prstGeom prst="rect">
-            <a:avLst/>
-          </a:prstGeom>
-        </p:spPr>
-        <p:txBody>
-          <a:bodyPr/>
-          <a:lstStyle/>
-          <a:p>
-            <a:r>
-              <a:rPr lang="es-ES" altLang="ko-KR" sz="2800" dirty="0" err="1">
-                <a:latin typeface="+mn-lt"/>
-              </a:rPr>
-              <a:t>LeSS</a:t>
-            </a:r>
-            <a:r>
-              <a:rPr lang="es-ES" altLang="ko-KR" sz="2800" dirty="0">
-                <a:latin typeface="+mn-lt"/>
-              </a:rPr>
-              <a:t> </a:t>
-            </a:r>
-            <a:r>
-              <a:rPr lang="es-ES" altLang="ko-KR" sz="2800" dirty="0" err="1">
-                <a:latin typeface="+mn-lt"/>
-              </a:rPr>
-              <a:t>Huge</a:t>
-            </a:r>
-            <a:endParaRPr lang="ko-KR" altLang="en-US" sz="2800" dirty="0">
-              <a:latin typeface="+mn-lt"/>
-            </a:endParaRPr>
-          </a:p>
-        </p:txBody>
-      </p:sp>
-    </p:spTree>
-    <p:extLst>
-      <p:ext uri="{BB962C8B-B14F-4D97-AF65-F5344CB8AC3E}">
-        <p14:creationId xmlns:p14="http://schemas.microsoft.com/office/powerpoint/2010/main" val="2107815636"/>
-      </p:ext>
-    </p:extLst>
-  </p:cSld>
-  <p:clrMapOvr>
-    <a:masterClrMapping/>
-  </p:clrMapOvr>
-  <mc:AlternateContent xmlns:mc="http://schemas.openxmlformats.org/markup-compatibility/2006" xmlns:p14="http://schemas.microsoft.com/office/powerpoint/2010/main">
-    <mc:Choice Requires="p14">
-      <p:transition spd="slow" p14:dur="2000" advTm="20000"/>
-    </mc:Choice>
-    <mc:Fallback xmlns="">
-      <p:transition spd="slow" advTm="20000"/>
-    </mc:Fallback>
-  </mc:AlternateContent>
-</p:sld>
-</file>
-
-<file path=ppt/slides/slide17.xml><?xml version="1.0" encoding="utf-8"?>
-<p:sld xmlns:a="http://schemas.openxmlformats.org/drawingml/2006/main" xmlns:r="http://schemas.openxmlformats.org/officeDocument/2006/relationships" xmlns:p="http://schemas.openxmlformats.org/presentationml/2006/main">
-  <p:cSld>
-    <p:spTree>
-      <p:nvGrpSpPr>
-        <p:cNvPr id="1" name=""/>
-        <p:cNvGrpSpPr/>
-        <p:nvPr/>
-      </p:nvGrpSpPr>
-      <p:grpSpPr>
-        <a:xfrm>
-          <a:off x="0" y="0"/>
-          <a:ext cx="0" cy="0"/>
-          <a:chOff x="0" y="0"/>
-          <a:chExt cx="0" cy="0"/>
-        </a:xfrm>
-      </p:grpSpPr>
-      <p:sp>
-        <p:nvSpPr>
-          <p:cNvPr id="2" name="Text Placeholder 1"/>
-          <p:cNvSpPr>
-            <a:spLocks noGrp="1"/>
-          </p:cNvSpPr>
-          <p:nvPr>
-            <p:ph type="body" sz="quarter" idx="10"/>
-          </p:nvPr>
-        </p:nvSpPr>
-        <p:spPr/>
-        <p:txBody>
-          <a:bodyPr anchor="ctr">
-            <a:normAutofit/>
-          </a:bodyPr>
-          <a:lstStyle/>
-          <a:p>
-            <a:pPr>
-              <a:lnSpc>
-                <a:spcPct val="90000"/>
-              </a:lnSpc>
-            </a:pPr>
-            <a:r>
-              <a:rPr lang="en-US" altLang="ko-KR" sz="3300" dirty="0" err="1"/>
-              <a:t>LeSS</a:t>
-            </a:r>
-            <a:r>
-              <a:rPr lang="en-US" altLang="ko-KR" sz="3300" dirty="0"/>
-              <a:t> vs </a:t>
-            </a:r>
-            <a:r>
-              <a:rPr lang="en-US" altLang="ko-KR" sz="3300" dirty="0" err="1"/>
-              <a:t>LeSS</a:t>
-            </a:r>
-            <a:r>
-              <a:rPr lang="en-US" altLang="ko-KR" sz="3300" dirty="0"/>
-              <a:t> Huge</a:t>
-            </a:r>
-            <a:endParaRPr lang="ko-KR" altLang="en-US" sz="3300" dirty="0"/>
-          </a:p>
-        </p:txBody>
-      </p:sp>
-    </p:spTree>
-    <p:extLst>
-      <p:ext uri="{BB962C8B-B14F-4D97-AF65-F5344CB8AC3E}">
-        <p14:creationId xmlns:p14="http://schemas.microsoft.com/office/powerpoint/2010/main" val="503397310"/>
-      </p:ext>
-    </p:extLst>
-  </p:cSld>
-  <p:clrMapOvr>
-    <a:masterClrMapping/>
-  </p:clrMapOvr>
-  <mc:AlternateContent xmlns:mc="http://schemas.openxmlformats.org/markup-compatibility/2006" xmlns:p14="http://schemas.microsoft.com/office/powerpoint/2010/main">
-    <mc:Choice Requires="p14">
-      <p:transition spd="slow" p14:dur="2000" advTm="20000"/>
-    </mc:Choice>
-    <mc:Fallback xmlns="">
-      <p:transition spd="slow" advTm="20000"/>
-    </mc:Fallback>
-  </mc:AlternateContent>
-</p:sld>
-</file>
-
-<file path=ppt/slides/slide18.xml><?xml version="1.0" encoding="utf-8"?>
-<p:sld xmlns:a="http://schemas.openxmlformats.org/drawingml/2006/main" xmlns:r="http://schemas.openxmlformats.org/officeDocument/2006/relationships" xmlns:p="http://schemas.openxmlformats.org/presentationml/2006/main">
-  <p:cSld>
-    <p:spTree>
-      <p:nvGrpSpPr>
-        <p:cNvPr id="1" name=""/>
-        <p:cNvGrpSpPr/>
-        <p:nvPr/>
-      </p:nvGrpSpPr>
-      <p:grpSpPr>
-        <a:xfrm>
-          <a:off x="0" y="0"/>
-          <a:ext cx="0" cy="0"/>
-          <a:chOff x="0" y="0"/>
-          <a:chExt cx="0" cy="0"/>
-        </a:xfrm>
-      </p:grpSpPr>
-      <p:sp>
-        <p:nvSpPr>
-          <p:cNvPr id="2" name="Text Placeholder 1"/>
-          <p:cNvSpPr>
-            <a:spLocks noGrp="1"/>
-          </p:cNvSpPr>
-          <p:nvPr>
-            <p:ph type="body" sz="quarter" idx="10"/>
-          </p:nvPr>
-        </p:nvSpPr>
-        <p:spPr/>
-        <p:txBody>
-          <a:bodyPr/>
-          <a:lstStyle/>
-          <a:p>
-            <a:r>
-              <a:rPr lang="en-US" altLang="ko-KR" sz="2800" dirty="0" err="1">
-                <a:latin typeface="+mn-lt"/>
-              </a:rPr>
-              <a:t>Conclusión</a:t>
-            </a:r>
-            <a:endParaRPr lang="ko-KR" altLang="en-US" sz="2800" dirty="0">
-              <a:latin typeface="+mn-lt"/>
-            </a:endParaRPr>
-          </a:p>
-        </p:txBody>
-      </p:sp>
-      <p:sp>
-        <p:nvSpPr>
-          <p:cNvPr id="3" name="Text Placeholder 2">
-            <a:extLst>
-              <a:ext uri="{FF2B5EF4-FFF2-40B4-BE49-F238E27FC236}">
-                <a16:creationId xmlns:a16="http://schemas.microsoft.com/office/drawing/2014/main" id="{F5430082-2F44-BBBC-7BFB-734DF24A542B}"/>
-              </a:ext>
-            </a:extLst>
-          </p:cNvPr>
-          <p:cNvSpPr>
-            <a:spLocks noGrp="1"/>
-          </p:cNvSpPr>
-          <p:nvPr>
-            <p:ph type="body" sz="quarter" idx="11"/>
-          </p:nvPr>
-        </p:nvSpPr>
-        <p:spPr>
-          <a:xfrm>
-            <a:off x="93600" y="4681142"/>
-            <a:ext cx="8913600" cy="288032"/>
-          </a:xfrm>
-        </p:spPr>
-        <p:txBody>
-          <a:bodyPr/>
-          <a:lstStyle/>
-          <a:p>
-            <a:r>
-              <a:rPr lang="en-US" dirty="0" err="1"/>
-              <a:t>Bibliografía</a:t>
-            </a:r>
-            <a:r>
-              <a:rPr lang="en-US" dirty="0"/>
-              <a:t>: </a:t>
-            </a:r>
-            <a:r>
-              <a:rPr lang="en-GB" dirty="0"/>
-              <a:t>Large-Scale Scrum: More with </a:t>
-            </a:r>
-            <a:r>
-              <a:rPr lang="en-GB" dirty="0" err="1"/>
-              <a:t>LeSS</a:t>
-            </a:r>
-            <a:r>
-              <a:rPr lang="en-US" dirty="0"/>
-              <a:t>: </a:t>
-            </a:r>
-            <a:r>
-              <a:rPr lang="en-US" sz="1200" dirty="0"/>
-              <a:t>https://less.works/less/framework</a:t>
-            </a:r>
-            <a:endParaRPr lang="en-GB" dirty="0"/>
-          </a:p>
-        </p:txBody>
-      </p:sp>
-    </p:spTree>
-    <p:extLst>
-      <p:ext uri="{BB962C8B-B14F-4D97-AF65-F5344CB8AC3E}">
-        <p14:creationId xmlns:p14="http://schemas.microsoft.com/office/powerpoint/2010/main" val="3631786541"/>
-      </p:ext>
-    </p:extLst>
-  </p:cSld>
-  <p:clrMapOvr>
-    <a:masterClrMapping/>
-  </p:clrMapOvr>
-  <mc:AlternateContent xmlns:mc="http://schemas.openxmlformats.org/markup-compatibility/2006" xmlns:p14="http://schemas.microsoft.com/office/powerpoint/2010/main">
-    <mc:Choice Requires="p14">
-      <p:transition spd="slow" p14:dur="2000" advTm="20000"/>
-    </mc:Choice>
-    <mc:Fallback xmlns="">
-      <p:transition spd="slow" advTm="20000"/>
-    </mc:Fallback>
-  </mc:AlternateContent>
-</p:sld>
-</file>
-
-<file path=ppt/slides/slide19.xml><?xml version="1.0" encoding="utf-8"?>
-<p:sld xmlns:a="http://schemas.openxmlformats.org/drawingml/2006/main" xmlns:r="http://schemas.openxmlformats.org/officeDocument/2006/relationships" xmlns:p="http://schemas.openxmlformats.org/presentationml/2006/main">
-  <p:cSld>
-    <p:spTree>
-      <p:nvGrpSpPr>
-        <p:cNvPr id="1" name=""/>
-        <p:cNvGrpSpPr/>
-        <p:nvPr/>
-      </p:nvGrpSpPr>
-      <p:grpSpPr>
-        <a:xfrm>
-          <a:off x="0" y="0"/>
-          <a:ext cx="0" cy="0"/>
-          <a:chOff x="0" y="0"/>
-          <a:chExt cx="0" cy="0"/>
-        </a:xfrm>
-      </p:grpSpPr>
-    </p:spTree>
-    <p:extLst>
-      <p:ext uri="{BB962C8B-B14F-4D97-AF65-F5344CB8AC3E}">
-        <p14:creationId xmlns:p14="http://schemas.microsoft.com/office/powerpoint/2010/main" val="2360298915"/>
       </p:ext>
     </p:extLst>
   </p:cSld>
